--- a/Project 3 ppt.pptx
+++ b/Project 3 ppt.pptx
@@ -16208,6 +16208,199 @@
     </a:lvl9pPr>
   </p:notesStyle>
 </p:notesMaster>
+</file>
+
+<file path=ppt/notesSlides/notesSlide1.xml><?xml version="1.0" encoding="utf-8"?>
+<p:notes xmlns:a="http://schemas.openxmlformats.org/drawingml/2006/main" xmlns:r="http://schemas.openxmlformats.org/officeDocument/2006/relationships" xmlns:p="http://schemas.openxmlformats.org/presentationml/2006/main">
+  <p:cSld>
+    <p:spTree>
+      <p:nvGrpSpPr>
+        <p:cNvPr id="1" name=""/>
+        <p:cNvGrpSpPr/>
+        <p:nvPr/>
+      </p:nvGrpSpPr>
+      <p:grpSpPr>
+        <a:xfrm>
+          <a:off x="0" y="0"/>
+          <a:ext cx="0" cy="0"/>
+          <a:chOff x="0" y="0"/>
+          <a:chExt cx="0" cy="0"/>
+        </a:xfrm>
+      </p:grpSpPr>
+      <p:sp>
+        <p:nvSpPr>
+          <p:cNvPr id="2" name="Slide Image Placeholder 1"/>
+          <p:cNvSpPr>
+            <a:spLocks noGrp="1" noRot="1" noChangeAspect="1"/>
+          </p:cNvSpPr>
+          <p:nvPr>
+            <p:ph type="sldImg"/>
+          </p:nvPr>
+        </p:nvSpPr>
+        <p:spPr/>
+      </p:sp>
+      <p:sp>
+        <p:nvSpPr>
+          <p:cNvPr id="3" name="Notes Placeholder 2"/>
+          <p:cNvSpPr>
+            <a:spLocks noGrp="1"/>
+          </p:cNvSpPr>
+          <p:nvPr>
+            <p:ph type="body" idx="1"/>
+          </p:nvPr>
+        </p:nvSpPr>
+        <p:spPr/>
+        <p:txBody>
+          <a:bodyPr/>
+          <a:lstStyle/>
+          <a:p>
+            <a:pPr algn="l"/>
+            <a:r>
+              <a:rPr lang="en-US" b="0" i="0" u="none" strike="noStrike" dirty="0">
+                <a:solidFill>
+                  <a:srgbClr val="1B1B1B"/>
+                </a:solidFill>
+                <a:effectLst/>
+                <a:latin typeface="Inter"/>
+                <a:hlinkClick r:id="rId3"/>
+              </a:rPr>
+              <a:t>Cross-Origin Resource Sharing</a:t>
+            </a:r>
+            <a:r>
+              <a:rPr lang="en-US" b="0" i="0" dirty="0">
+                <a:solidFill>
+                  <a:srgbClr val="1B1B1B"/>
+                </a:solidFill>
+                <a:effectLst/>
+                <a:latin typeface="Inter"/>
+              </a:rPr>
+              <a:t> (</a:t>
+            </a:r>
+            <a:r>
+              <a:rPr lang="en-US" b="0" i="0" u="sng" dirty="0">
+                <a:solidFill>
+                  <a:srgbClr val="1B1B1B"/>
+                </a:solidFill>
+                <a:effectLst/>
+                <a:latin typeface="Inter"/>
+                <a:hlinkClick r:id="rId4"/>
+              </a:rPr>
+              <a:t>CORS</a:t>
+            </a:r>
+            <a:r>
+              <a:rPr lang="en-US" b="0" i="0" dirty="0">
+                <a:solidFill>
+                  <a:srgbClr val="1B1B1B"/>
+                </a:solidFill>
+                <a:effectLst/>
+                <a:latin typeface="Inter"/>
+              </a:rPr>
+              <a:t>) is a standard that allows a server to relax the </a:t>
+            </a:r>
+            <a:r>
+              <a:rPr lang="en-US" b="0" i="0" u="sng" dirty="0">
+                <a:solidFill>
+                  <a:srgbClr val="1B1B1B"/>
+                </a:solidFill>
+                <a:effectLst/>
+                <a:latin typeface="Inter"/>
+                <a:hlinkClick r:id="rId5"/>
+              </a:rPr>
+              <a:t>same-origin policy</a:t>
+            </a:r>
+            <a:r>
+              <a:rPr lang="en-US" b="0" i="0" dirty="0">
+                <a:solidFill>
+                  <a:srgbClr val="1B1B1B"/>
+                </a:solidFill>
+                <a:effectLst/>
+                <a:latin typeface="Inter"/>
+              </a:rPr>
+              <a:t>. This is used to explicitly allow some cross-origin requests while rejecting others. For example, if a site offers an embeddable service, it may be necessary to relax certain restrictions. Setting up such a CORS configuration isn't necessarily easy and may present some challenges. In these pages, we'll look into some common CORS error messages and how to resolve them.</a:t>
+            </a:r>
+          </a:p>
+          <a:p>
+            <a:pPr algn="l"/>
+            <a:endParaRPr lang="en-US" b="0" i="0" dirty="0">
+              <a:solidFill>
+                <a:srgbClr val="1B1B1B"/>
+              </a:solidFill>
+              <a:effectLst/>
+              <a:latin typeface="Inter"/>
+            </a:endParaRPr>
+          </a:p>
+          <a:p>
+            <a:pPr algn="l"/>
+            <a:r>
+              <a:rPr lang="en-US" b="0" i="0" dirty="0">
+                <a:solidFill>
+                  <a:srgbClr val="1B1B1B"/>
+                </a:solidFill>
+                <a:effectLst/>
+                <a:latin typeface="Inter"/>
+              </a:rPr>
+              <a:t>If the CORS configuration isn't setup correctly, the browser console will present an error like "Cross-Origin Request Blocked: The Same Origin Policy disallows reading the remote resource at $</a:t>
+            </a:r>
+            <a:r>
+              <a:rPr lang="en-US" b="0" i="0" dirty="0" err="1">
+                <a:solidFill>
+                  <a:srgbClr val="1B1B1B"/>
+                </a:solidFill>
+                <a:effectLst/>
+                <a:latin typeface="Inter"/>
+              </a:rPr>
+              <a:t>somesite</a:t>
+            </a:r>
+            <a:r>
+              <a:rPr lang="en-US" b="0" i="0" dirty="0">
+                <a:solidFill>
+                  <a:srgbClr val="1B1B1B"/>
+                </a:solidFill>
+                <a:effectLst/>
+                <a:latin typeface="Inter"/>
+              </a:rPr>
+              <a:t>" indicating that the request was blocked due to violating the CORS security rules. This might not necessarily be a set-up mistake, though. It's possible that the request is in fact intentionally being disallowed by the user's web application and remote external service. However, If the endpoint is meant to be available, some debugging is needed to succeed.</a:t>
+            </a:r>
+          </a:p>
+          <a:p>
+            <a:endParaRPr lang="en-US" dirty="0"/>
+          </a:p>
+        </p:txBody>
+      </p:sp>
+      <p:sp>
+        <p:nvSpPr>
+          <p:cNvPr id="4" name="Slide Number Placeholder 3"/>
+          <p:cNvSpPr>
+            <a:spLocks noGrp="1"/>
+          </p:cNvSpPr>
+          <p:nvPr>
+            <p:ph type="sldNum" sz="quarter" idx="5"/>
+          </p:nvPr>
+        </p:nvSpPr>
+        <p:spPr/>
+        <p:txBody>
+          <a:bodyPr/>
+          <a:lstStyle/>
+          <a:p>
+            <a:fld id="{F97DC217-DF71-1A49-B3EA-559F1F43B0FF}" type="slidenum">
+              <a:rPr lang="en-US" smtClean="0"/>
+              <a:t>8</a:t>
+            </a:fld>
+            <a:endParaRPr lang="en-US" dirty="0"/>
+          </a:p>
+        </p:txBody>
+      </p:sp>
+    </p:spTree>
+    <p:extLst>
+      <p:ext uri="{BB962C8B-B14F-4D97-AF65-F5344CB8AC3E}">
+        <p14:creationId xmlns:p14="http://schemas.microsoft.com/office/powerpoint/2010/main" val="2870010753"/>
+      </p:ext>
+    </p:extLst>
+  </p:cSld>
+  <p:clrMapOvr>
+    <a:masterClrMapping/>
+  </p:clrMapOvr>
+</p:notes>
 </file>
 
 <file path=ppt/slideLayouts/slideLayout1.xml><?xml version="1.0" encoding="utf-8"?>
@@ -32029,7 +32222,7 @@
         </p:nvSpPr>
         <p:spPr>
           <a:xfrm>
-            <a:off x="1167493" y="2005689"/>
+            <a:off x="1167493" y="1753444"/>
             <a:ext cx="4663440" cy="522514"/>
           </a:xfrm>
         </p:spPr>
@@ -32062,7 +32255,7 @@
         </p:nvSpPr>
         <p:spPr>
           <a:xfrm>
-            <a:off x="1167493" y="2528203"/>
+            <a:off x="1212508" y="2229872"/>
             <a:ext cx="4663440" cy="2828613"/>
           </a:xfrm>
         </p:spPr>
@@ -32078,17 +32271,7 @@
             </a:pPr>
             <a:r>
               <a:rPr lang="en-US" sz="1800" dirty="0"/>
-              <a:t>Dataset was large.  </a:t>
-            </a:r>
-          </a:p>
-          <a:p>
-            <a:pPr marL="342900" indent="-342900">
-              <a:buFont typeface="Arial" panose="020B0604020202020204" pitchFamily="34" charset="0"/>
-              <a:buChar char="•"/>
-            </a:pPr>
-            <a:r>
-              <a:rPr lang="en-US" sz="1800" dirty="0"/>
-              <a:t>We had over one million </a:t>
+              <a:t>Dataset was large: We had over almost 750k records</a:t>
             </a:r>
             <a:r>
               <a:rPr lang="en-US" sz="1800" b="0" i="0" dirty="0">
@@ -32098,8 +32281,25 @@
                 <a:effectLst/>
                 <a:latin typeface="Google Sans"/>
               </a:rPr>
-              <a:t>number of entries.</a:t>
+              <a:t>. Could not push to </a:t>
             </a:r>
+            <a:r>
+              <a:rPr lang="en-US" sz="1800" b="0" i="0" dirty="0" err="1">
+                <a:solidFill>
+                  <a:srgbClr val="202124"/>
+                </a:solidFill>
+                <a:effectLst/>
+                <a:latin typeface="Google Sans"/>
+              </a:rPr>
+              <a:t>Github</a:t>
+            </a:r>
+            <a:endParaRPr lang="en-US" sz="1800" b="0" i="0" dirty="0">
+              <a:solidFill>
+                <a:srgbClr val="202124"/>
+              </a:solidFill>
+              <a:effectLst/>
+              <a:latin typeface="Google Sans"/>
+            </a:endParaRPr>
           </a:p>
           <a:p>
             <a:pPr marL="342900" indent="-342900">
@@ -32114,7 +32314,7 @@
                 <a:effectLst/>
                 <a:latin typeface="Google Sans"/>
               </a:rPr>
-              <a:t>Cross-Origin Request Blocked (CORS) </a:t>
+              <a:t>Cross-Origin Resource Sharing (CORS) error when sending request to the local server </a:t>
             </a:r>
             <a:endParaRPr lang="en-US" sz="1800" dirty="0">
               <a:solidFill>
@@ -32146,7 +32346,7 @@
         </p:nvSpPr>
         <p:spPr>
           <a:xfrm>
-            <a:off x="6283235" y="2005689"/>
+            <a:off x="6318697" y="1753444"/>
             <a:ext cx="4663440" cy="426426"/>
           </a:xfrm>
         </p:spPr>
@@ -32179,13 +32379,13 @@
         </p:nvSpPr>
         <p:spPr>
           <a:xfrm>
-            <a:off x="6277358" y="2370982"/>
-            <a:ext cx="4663440" cy="3006507"/>
+            <a:off x="6283235" y="1893624"/>
+            <a:ext cx="4663440" cy="3538261"/>
           </a:xfrm>
         </p:spPr>
         <p:txBody>
           <a:bodyPr vert="horz" lIns="91440" tIns="45720" rIns="91440" bIns="45720" rtlCol="0" anchor="t">
-            <a:normAutofit fontScale="85000" lnSpcReduction="20000"/>
+            <a:normAutofit lnSpcReduction="10000"/>
           </a:bodyPr>
           <a:lstStyle/>
           <a:p>
@@ -32222,23 +32422,35 @@
             </a:pPr>
             <a:r>
               <a:rPr lang="en-US" sz="1900" dirty="0"/>
-              <a:t>To get rid of a CORS error, you can download a browser extension like </a:t>
+              <a:t>Installed Flask-</a:t>
             </a:r>
             <a:r>
-              <a:rPr lang="en-US" sz="1900" dirty="0">
-                <a:hlinkClick r:id="rId2">
-                  <a:extLst>
-                    <a:ext uri="{A12FA001-AC4F-418D-AE19-62706E023703}">
-                      <ahyp:hlinkClr xmlns:ahyp="http://schemas.microsoft.com/office/drawing/2018/hyperlinkcolor" val="tx"/>
-                    </a:ext>
-                  </a:extLst>
-                </a:hlinkClick>
-              </a:rPr>
-              <a:t>CORS Unblock</a:t>
+              <a:rPr lang="en-US" sz="1900" dirty="0" err="1"/>
+              <a:t>Cors</a:t>
             </a:r>
             <a:r>
               <a:rPr lang="en-US" sz="1900" dirty="0"/>
-              <a:t>. The extension appends Access-Control-Allow-Origin: * to every HTTP response when it is enabled. It can also add custom Access-Control-Allow-Origin and Access-Control-Allow-Methods headers to the responses.</a:t>
+              <a:t> package</a:t>
+            </a:r>
+          </a:p>
+          <a:p>
+            <a:pPr marL="342900" indent="-342900">
+              <a:buFont typeface="Arial" panose="020B0604020202020204" pitchFamily="34" charset="0"/>
+              <a:buChar char="•"/>
+            </a:pPr>
+            <a:r>
+              <a:rPr lang="en-US" sz="1900" dirty="0"/>
+              <a:t>Import package into Flask app </a:t>
+            </a:r>
+          </a:p>
+          <a:p>
+            <a:pPr marL="342900" indent="-342900">
+              <a:buFont typeface="Arial" panose="020B0604020202020204" pitchFamily="34" charset="0"/>
+              <a:buChar char="•"/>
+            </a:pPr>
+            <a:r>
+              <a:rPr lang="en-US" sz="1900" dirty="0"/>
+              <a:t>Use cross-origin decorator on endpoint functions.</a:t>
             </a:r>
           </a:p>
         </p:txBody>
@@ -32391,7 +32603,7 @@
         </p:blipFill>
         <p:spPr>
           <a:xfrm>
-            <a:off x="1866900" y="4624059"/>
+            <a:off x="1752600" y="2775041"/>
             <a:ext cx="1257300" cy="1130300"/>
           </a:xfrm>
           <a:prstGeom prst="rect">
@@ -32421,7 +32633,7 @@
         </p:blipFill>
         <p:spPr>
           <a:xfrm>
-            <a:off x="3179885" y="4388556"/>
+            <a:off x="3521517" y="3095018"/>
             <a:ext cx="2761718" cy="741954"/>
           </a:xfrm>
           <a:prstGeom prst="rect">
@@ -32429,6 +32641,479 @@
           </a:prstGeom>
         </p:spPr>
       </p:pic>
+      <p:sp>
+        <p:nvSpPr>
+          <p:cNvPr id="12" name="Rectangle 11">
+            <a:extLst>
+              <a:ext uri="{FF2B5EF4-FFF2-40B4-BE49-F238E27FC236}">
+                <a16:creationId xmlns:a16="http://schemas.microsoft.com/office/drawing/2014/main" id="{F76BC801-7126-ECC0-2960-25B88B76B320}"/>
+              </a:ext>
+            </a:extLst>
+          </p:cNvPr>
+          <p:cNvSpPr/>
+          <p:nvPr/>
+        </p:nvSpPr>
+        <p:spPr>
+          <a:xfrm>
+            <a:off x="1107058" y="3889336"/>
+            <a:ext cx="5378245" cy="914400"/>
+          </a:xfrm>
+          <a:prstGeom prst="rect">
+            <a:avLst/>
+          </a:prstGeom>
+          <a:noFill/>
+          <a:ln>
+            <a:noFill/>
+          </a:ln>
+        </p:spPr>
+        <p:style>
+          <a:lnRef idx="2">
+            <a:schemeClr val="accent1">
+              <a:shade val="50000"/>
+            </a:schemeClr>
+          </a:lnRef>
+          <a:fillRef idx="1">
+            <a:schemeClr val="accent1"/>
+          </a:fillRef>
+          <a:effectRef idx="0">
+            <a:schemeClr val="accent1"/>
+          </a:effectRef>
+          <a:fontRef idx="minor">
+            <a:schemeClr val="lt1"/>
+          </a:fontRef>
+        </p:style>
+        <p:txBody>
+          <a:bodyPr rtlCol="0" anchor="ctr"/>
+          <a:lstStyle/>
+          <a:p>
+            <a:r>
+              <a:rPr lang="en-US" sz="1600" b="0" dirty="0">
+                <a:solidFill>
+                  <a:srgbClr val="AF00DB"/>
+                </a:solidFill>
+                <a:effectLst/>
+                <a:latin typeface="Consolas" panose="020B0609020204030204" pitchFamily="49" charset="0"/>
+              </a:rPr>
+              <a:t>from</a:t>
+            </a:r>
+            <a:r>
+              <a:rPr lang="en-US" sz="1600" b="0" dirty="0">
+                <a:solidFill>
+                  <a:srgbClr val="000000"/>
+                </a:solidFill>
+                <a:effectLst/>
+                <a:latin typeface="Consolas" panose="020B0609020204030204" pitchFamily="49" charset="0"/>
+              </a:rPr>
+              <a:t> </a:t>
+            </a:r>
+            <a:r>
+              <a:rPr lang="en-US" sz="1600" b="0" dirty="0" err="1">
+                <a:solidFill>
+                  <a:srgbClr val="267F99"/>
+                </a:solidFill>
+                <a:effectLst/>
+                <a:latin typeface="Consolas" panose="020B0609020204030204" pitchFamily="49" charset="0"/>
+              </a:rPr>
+              <a:t>flask_cors</a:t>
+            </a:r>
+            <a:r>
+              <a:rPr lang="en-US" sz="1600" b="0" dirty="0">
+                <a:solidFill>
+                  <a:srgbClr val="000000"/>
+                </a:solidFill>
+                <a:effectLst/>
+                <a:latin typeface="Consolas" panose="020B0609020204030204" pitchFamily="49" charset="0"/>
+              </a:rPr>
+              <a:t> </a:t>
+            </a:r>
+            <a:r>
+              <a:rPr lang="en-US" sz="1600" b="0" dirty="0">
+                <a:solidFill>
+                  <a:srgbClr val="AF00DB"/>
+                </a:solidFill>
+                <a:effectLst/>
+                <a:latin typeface="Consolas" panose="020B0609020204030204" pitchFamily="49" charset="0"/>
+              </a:rPr>
+              <a:t>import</a:t>
+            </a:r>
+            <a:r>
+              <a:rPr lang="en-US" sz="1600" b="0" dirty="0">
+                <a:solidFill>
+                  <a:srgbClr val="000000"/>
+                </a:solidFill>
+                <a:effectLst/>
+                <a:latin typeface="Consolas" panose="020B0609020204030204" pitchFamily="49" charset="0"/>
+              </a:rPr>
+              <a:t> </a:t>
+            </a:r>
+            <a:r>
+              <a:rPr lang="en-US" sz="1600" b="0" dirty="0">
+                <a:solidFill>
+                  <a:srgbClr val="267F99"/>
+                </a:solidFill>
+                <a:effectLst/>
+                <a:latin typeface="Consolas" panose="020B0609020204030204" pitchFamily="49" charset="0"/>
+              </a:rPr>
+              <a:t>CORS</a:t>
+            </a:r>
+            <a:r>
+              <a:rPr lang="en-US" sz="1600" b="0" dirty="0">
+                <a:solidFill>
+                  <a:srgbClr val="000000"/>
+                </a:solidFill>
+                <a:effectLst/>
+                <a:latin typeface="Consolas" panose="020B0609020204030204" pitchFamily="49" charset="0"/>
+              </a:rPr>
+              <a:t>, </a:t>
+            </a:r>
+            <a:r>
+              <a:rPr lang="en-US" sz="1600" b="0" dirty="0" err="1">
+                <a:solidFill>
+                  <a:srgbClr val="795E26"/>
+                </a:solidFill>
+                <a:effectLst/>
+                <a:latin typeface="Consolas" panose="020B0609020204030204" pitchFamily="49" charset="0"/>
+              </a:rPr>
+              <a:t>cross_origin</a:t>
+            </a:r>
+            <a:endParaRPr lang="en-US" sz="1600" b="0" dirty="0">
+              <a:solidFill>
+                <a:srgbClr val="000000"/>
+              </a:solidFill>
+              <a:effectLst/>
+              <a:latin typeface="Consolas" panose="020B0609020204030204" pitchFamily="49" charset="0"/>
+            </a:endParaRPr>
+          </a:p>
+          <a:p>
+            <a:r>
+              <a:rPr lang="en-US" sz="1600" b="0" dirty="0">
+                <a:solidFill>
+                  <a:srgbClr val="001080"/>
+                </a:solidFill>
+                <a:effectLst/>
+                <a:latin typeface="Consolas" panose="020B0609020204030204" pitchFamily="49" charset="0"/>
+              </a:rPr>
+              <a:t>app</a:t>
+            </a:r>
+            <a:r>
+              <a:rPr lang="en-US" sz="1600" b="0" dirty="0">
+                <a:solidFill>
+                  <a:srgbClr val="000000"/>
+                </a:solidFill>
+                <a:effectLst/>
+                <a:latin typeface="Consolas" panose="020B0609020204030204" pitchFamily="49" charset="0"/>
+              </a:rPr>
+              <a:t> = Flask(</a:t>
+            </a:r>
+            <a:r>
+              <a:rPr lang="en-US" sz="1600" b="0" dirty="0">
+                <a:solidFill>
+                  <a:srgbClr val="001080"/>
+                </a:solidFill>
+                <a:effectLst/>
+                <a:latin typeface="Consolas" panose="020B0609020204030204" pitchFamily="49" charset="0"/>
+              </a:rPr>
+              <a:t>__name__</a:t>
+            </a:r>
+            <a:r>
+              <a:rPr lang="en-US" sz="1600" b="0" dirty="0">
+                <a:solidFill>
+                  <a:srgbClr val="000000"/>
+                </a:solidFill>
+                <a:effectLst/>
+                <a:latin typeface="Consolas" panose="020B0609020204030204" pitchFamily="49" charset="0"/>
+              </a:rPr>
+              <a:t>)</a:t>
+            </a:r>
+          </a:p>
+          <a:p>
+            <a:r>
+              <a:rPr lang="en-US" sz="1600" b="0" dirty="0" err="1">
+                <a:solidFill>
+                  <a:srgbClr val="001080"/>
+                </a:solidFill>
+                <a:effectLst/>
+                <a:latin typeface="Consolas" panose="020B0609020204030204" pitchFamily="49" charset="0"/>
+              </a:rPr>
+              <a:t>cors</a:t>
+            </a:r>
+            <a:r>
+              <a:rPr lang="en-US" sz="1600" b="0" dirty="0">
+                <a:solidFill>
+                  <a:srgbClr val="000000"/>
+                </a:solidFill>
+                <a:effectLst/>
+                <a:latin typeface="Consolas" panose="020B0609020204030204" pitchFamily="49" charset="0"/>
+              </a:rPr>
+              <a:t> = </a:t>
+            </a:r>
+            <a:r>
+              <a:rPr lang="en-US" sz="1600" b="0" dirty="0">
+                <a:solidFill>
+                  <a:srgbClr val="267F99"/>
+                </a:solidFill>
+                <a:effectLst/>
+                <a:latin typeface="Consolas" panose="020B0609020204030204" pitchFamily="49" charset="0"/>
+              </a:rPr>
+              <a:t>CORS</a:t>
+            </a:r>
+            <a:r>
+              <a:rPr lang="en-US" sz="1600" b="0" dirty="0">
+                <a:solidFill>
+                  <a:srgbClr val="000000"/>
+                </a:solidFill>
+                <a:effectLst/>
+                <a:latin typeface="Consolas" panose="020B0609020204030204" pitchFamily="49" charset="0"/>
+              </a:rPr>
+              <a:t>(</a:t>
+            </a:r>
+            <a:r>
+              <a:rPr lang="en-US" sz="1600" b="0" dirty="0">
+                <a:solidFill>
+                  <a:srgbClr val="001080"/>
+                </a:solidFill>
+                <a:effectLst/>
+                <a:latin typeface="Consolas" panose="020B0609020204030204" pitchFamily="49" charset="0"/>
+              </a:rPr>
+              <a:t>app</a:t>
+            </a:r>
+            <a:r>
+              <a:rPr lang="en-US" sz="1600" b="0" dirty="0">
+                <a:solidFill>
+                  <a:srgbClr val="000000"/>
+                </a:solidFill>
+                <a:effectLst/>
+                <a:latin typeface="Consolas" panose="020B0609020204030204" pitchFamily="49" charset="0"/>
+              </a:rPr>
+              <a:t>)</a:t>
+            </a:r>
+          </a:p>
+          <a:p>
+            <a:r>
+              <a:rPr lang="en-US" sz="1600" b="0" dirty="0" err="1">
+                <a:solidFill>
+                  <a:srgbClr val="001080"/>
+                </a:solidFill>
+                <a:effectLst/>
+                <a:latin typeface="Consolas" panose="020B0609020204030204" pitchFamily="49" charset="0"/>
+              </a:rPr>
+              <a:t>app</a:t>
+            </a:r>
+            <a:r>
+              <a:rPr lang="en-US" sz="1600" b="0" dirty="0" err="1">
+                <a:solidFill>
+                  <a:srgbClr val="000000"/>
+                </a:solidFill>
+                <a:effectLst/>
+                <a:latin typeface="Consolas" panose="020B0609020204030204" pitchFamily="49" charset="0"/>
+              </a:rPr>
+              <a:t>.config</a:t>
+            </a:r>
+            <a:r>
+              <a:rPr lang="en-US" sz="1600" b="0" dirty="0">
+                <a:solidFill>
+                  <a:srgbClr val="000000"/>
+                </a:solidFill>
+                <a:effectLst/>
+                <a:latin typeface="Consolas" panose="020B0609020204030204" pitchFamily="49" charset="0"/>
+              </a:rPr>
+              <a:t>[</a:t>
+            </a:r>
+            <a:r>
+              <a:rPr lang="en-US" sz="1600" b="0" dirty="0">
+                <a:solidFill>
+                  <a:srgbClr val="A31515"/>
+                </a:solidFill>
+                <a:effectLst/>
+                <a:latin typeface="Consolas" panose="020B0609020204030204" pitchFamily="49" charset="0"/>
+              </a:rPr>
+              <a:t>'CORS_HEADERS'</a:t>
+            </a:r>
+            <a:r>
+              <a:rPr lang="en-US" sz="1600" b="0" dirty="0">
+                <a:solidFill>
+                  <a:srgbClr val="000000"/>
+                </a:solidFill>
+                <a:effectLst/>
+                <a:latin typeface="Consolas" panose="020B0609020204030204" pitchFamily="49" charset="0"/>
+              </a:rPr>
+              <a:t>] = </a:t>
+            </a:r>
+            <a:r>
+              <a:rPr lang="en-US" sz="1600" b="0" dirty="0">
+                <a:solidFill>
+                  <a:srgbClr val="A31515"/>
+                </a:solidFill>
+                <a:effectLst/>
+                <a:latin typeface="Consolas" panose="020B0609020204030204" pitchFamily="49" charset="0"/>
+              </a:rPr>
+              <a:t>'Content-Type'</a:t>
+            </a:r>
+            <a:endParaRPr lang="en-US" sz="1600" b="0" dirty="0">
+              <a:solidFill>
+                <a:srgbClr val="000000"/>
+              </a:solidFill>
+              <a:effectLst/>
+              <a:latin typeface="Consolas" panose="020B0609020204030204" pitchFamily="49" charset="0"/>
+            </a:endParaRPr>
+          </a:p>
+        </p:txBody>
+      </p:sp>
+      <p:sp>
+        <p:nvSpPr>
+          <p:cNvPr id="15" name="TextBox 14">
+            <a:extLst>
+              <a:ext uri="{FF2B5EF4-FFF2-40B4-BE49-F238E27FC236}">
+                <a16:creationId xmlns:a16="http://schemas.microsoft.com/office/drawing/2014/main" id="{353B8067-857E-2E63-AFE0-EA108159BCC5}"/>
+              </a:ext>
+            </a:extLst>
+          </p:cNvPr>
+          <p:cNvSpPr txBox="1"/>
+          <p:nvPr/>
+        </p:nvSpPr>
+        <p:spPr>
+          <a:xfrm>
+            <a:off x="1118347" y="5000998"/>
+            <a:ext cx="6096000" cy="861774"/>
+          </a:xfrm>
+          <a:prstGeom prst="rect">
+            <a:avLst/>
+          </a:prstGeom>
+          <a:noFill/>
+        </p:spPr>
+        <p:txBody>
+          <a:bodyPr wrap="square">
+            <a:spAutoFit/>
+          </a:bodyPr>
+          <a:lstStyle/>
+          <a:p>
+            <a:r>
+              <a:rPr lang="en-US" sz="1600" b="0" dirty="0">
+                <a:solidFill>
+                  <a:srgbClr val="795E26"/>
+                </a:solidFill>
+                <a:effectLst/>
+                <a:latin typeface="Consolas" panose="020B0609020204030204" pitchFamily="49" charset="0"/>
+              </a:rPr>
+              <a:t>@</a:t>
+            </a:r>
+            <a:r>
+              <a:rPr lang="en-US" sz="1600" b="0" dirty="0">
+                <a:solidFill>
+                  <a:srgbClr val="001080"/>
+                </a:solidFill>
+                <a:effectLst/>
+                <a:latin typeface="Consolas" panose="020B0609020204030204" pitchFamily="49" charset="0"/>
+              </a:rPr>
+              <a:t>app</a:t>
+            </a:r>
+            <a:r>
+              <a:rPr lang="en-US" sz="1600" b="0" dirty="0">
+                <a:solidFill>
+                  <a:srgbClr val="795E26"/>
+                </a:solidFill>
+                <a:effectLst/>
+                <a:latin typeface="Consolas" panose="020B0609020204030204" pitchFamily="49" charset="0"/>
+              </a:rPr>
+              <a:t>.route</a:t>
+            </a:r>
+            <a:r>
+              <a:rPr lang="en-US" sz="1600" b="0" dirty="0">
+                <a:solidFill>
+                  <a:srgbClr val="000000"/>
+                </a:solidFill>
+                <a:effectLst/>
+                <a:latin typeface="Consolas" panose="020B0609020204030204" pitchFamily="49" charset="0"/>
+              </a:rPr>
+              <a:t>(</a:t>
+            </a:r>
+            <a:r>
+              <a:rPr lang="en-US" sz="1600" b="0" dirty="0">
+                <a:solidFill>
+                  <a:srgbClr val="A31515"/>
+                </a:solidFill>
+                <a:effectLst/>
+                <a:latin typeface="Consolas" panose="020B0609020204030204" pitchFamily="49" charset="0"/>
+              </a:rPr>
+              <a:t>"/"</a:t>
+            </a:r>
+            <a:r>
+              <a:rPr lang="en-US" sz="1600" b="0" dirty="0">
+                <a:solidFill>
+                  <a:srgbClr val="000000"/>
+                </a:solidFill>
+                <a:effectLst/>
+                <a:latin typeface="Consolas" panose="020B0609020204030204" pitchFamily="49" charset="0"/>
+              </a:rPr>
+              <a:t>) </a:t>
+            </a:r>
+          </a:p>
+          <a:p>
+            <a:r>
+              <a:rPr lang="en-US" sz="1600" b="0" dirty="0">
+                <a:solidFill>
+                  <a:srgbClr val="795E26"/>
+                </a:solidFill>
+                <a:effectLst/>
+                <a:latin typeface="Consolas" panose="020B0609020204030204" pitchFamily="49" charset="0"/>
+              </a:rPr>
+              <a:t>@cross_origin</a:t>
+            </a:r>
+            <a:r>
+              <a:rPr lang="en-US" sz="1600" b="0" dirty="0">
+                <a:solidFill>
+                  <a:srgbClr val="000000"/>
+                </a:solidFill>
+                <a:effectLst/>
+                <a:latin typeface="Consolas" panose="020B0609020204030204" pitchFamily="49" charset="0"/>
+              </a:rPr>
+              <a:t>()</a:t>
+            </a:r>
+          </a:p>
+          <a:p>
+            <a:r>
+              <a:rPr lang="en-US" sz="1600" b="0" dirty="0">
+                <a:solidFill>
+                  <a:srgbClr val="0000FF"/>
+                </a:solidFill>
+                <a:effectLst/>
+                <a:latin typeface="Consolas" panose="020B0609020204030204" pitchFamily="49" charset="0"/>
+              </a:rPr>
+              <a:t>def</a:t>
+            </a:r>
+            <a:r>
+              <a:rPr lang="en-US" sz="1600" b="0" dirty="0">
+                <a:solidFill>
+                  <a:srgbClr val="000000"/>
+                </a:solidFill>
+                <a:effectLst/>
+                <a:latin typeface="Consolas" panose="020B0609020204030204" pitchFamily="49" charset="0"/>
+              </a:rPr>
+              <a:t> </a:t>
+            </a:r>
+            <a:r>
+              <a:rPr lang="en-US" sz="1600" b="0" dirty="0">
+                <a:solidFill>
+                  <a:srgbClr val="795E26"/>
+                </a:solidFill>
+                <a:effectLst/>
+                <a:latin typeface="Consolas" panose="020B0609020204030204" pitchFamily="49" charset="0"/>
+              </a:rPr>
+              <a:t>home</a:t>
+            </a:r>
+            <a:r>
+              <a:rPr lang="en-US" sz="1600" b="0" dirty="0">
+                <a:solidFill>
+                  <a:srgbClr val="000000"/>
+                </a:solidFill>
+                <a:effectLst/>
+                <a:latin typeface="Consolas" panose="020B0609020204030204" pitchFamily="49" charset="0"/>
+              </a:rPr>
+              <a:t>():</a:t>
+            </a:r>
+          </a:p>
+        </p:txBody>
+      </p:sp>
     </p:spTree>
     <p:extLst>
       <p:ext uri="{BB962C8B-B14F-4D97-AF65-F5344CB8AC3E}">
@@ -32439,6 +33124,528 @@
   <p:clrMapOvr>
     <a:masterClrMapping/>
   </p:clrMapOvr>
+  <p:timing>
+    <p:tnLst>
+      <p:par>
+        <p:cTn id="1" dur="indefinite" restart="never" nodeType="tmRoot">
+          <p:childTnLst>
+            <p:seq concurrent="1" nextAc="seek">
+              <p:cTn id="2" dur="indefinite" nodeType="mainSeq">
+                <p:childTnLst>
+                  <p:par>
+                    <p:cTn id="3" fill="hold">
+                      <p:stCondLst>
+                        <p:cond delay="indefinite"/>
+                      </p:stCondLst>
+                      <p:childTnLst>
+                        <p:par>
+                          <p:cTn id="4" fill="hold">
+                            <p:stCondLst>
+                              <p:cond delay="0"/>
+                            </p:stCondLst>
+                            <p:childTnLst>
+                              <p:par>
+                                <p:cTn id="5" presetID="1" presetClass="entr" presetSubtype="0" fill="hold" grpId="0" nodeType="clickEffect">
+                                  <p:stCondLst>
+                                    <p:cond delay="0"/>
+                                  </p:stCondLst>
+                                  <p:childTnLst>
+                                    <p:set>
+                                      <p:cBhvr>
+                                        <p:cTn id="6" dur="1" fill="hold">
+                                          <p:stCondLst>
+                                            <p:cond delay="0"/>
+                                          </p:stCondLst>
+                                        </p:cTn>
+                                        <p:tgtEl>
+                                          <p:spTgt spid="6">
+                                            <p:txEl>
+                                              <p:pRg st="0" end="0"/>
+                                            </p:txEl>
+                                          </p:spTgt>
+                                        </p:tgtEl>
+                                        <p:attrNameLst>
+                                          <p:attrName>style.visibility</p:attrName>
+                                        </p:attrNameLst>
+                                      </p:cBhvr>
+                                      <p:to>
+                                        <p:strVal val="visible"/>
+                                      </p:to>
+                                    </p:set>
+                                  </p:childTnLst>
+                                </p:cTn>
+                              </p:par>
+                              <p:par>
+                                <p:cTn id="7" presetID="1" presetClass="entr" presetSubtype="0" fill="hold" nodeType="withEffect">
+                                  <p:stCondLst>
+                                    <p:cond delay="0"/>
+                                  </p:stCondLst>
+                                  <p:childTnLst>
+                                    <p:set>
+                                      <p:cBhvr>
+                                        <p:cTn id="8" dur="1" fill="hold">
+                                          <p:stCondLst>
+                                            <p:cond delay="0"/>
+                                          </p:stCondLst>
+                                        </p:cTn>
+                                        <p:tgtEl>
+                                          <p:spTgt spid="5">
+                                            <p:txEl>
+                                              <p:pRg st="1" end="1"/>
+                                            </p:txEl>
+                                          </p:spTgt>
+                                        </p:tgtEl>
+                                        <p:attrNameLst>
+                                          <p:attrName>style.visibility</p:attrName>
+                                        </p:attrNameLst>
+                                      </p:cBhvr>
+                                      <p:to>
+                                        <p:strVal val="visible"/>
+                                      </p:to>
+                                    </p:set>
+                                  </p:childTnLst>
+                                </p:cTn>
+                              </p:par>
+                              <p:par>
+                                <p:cTn id="9" presetID="1" presetClass="entr" presetSubtype="0" fill="hold" nodeType="withEffect">
+                                  <p:stCondLst>
+                                    <p:cond delay="0"/>
+                                  </p:stCondLst>
+                                  <p:childTnLst>
+                                    <p:set>
+                                      <p:cBhvr>
+                                        <p:cTn id="10" dur="1" fill="hold">
+                                          <p:stCondLst>
+                                            <p:cond delay="0"/>
+                                          </p:stCondLst>
+                                        </p:cTn>
+                                        <p:tgtEl>
+                                          <p:spTgt spid="13"/>
+                                        </p:tgtEl>
+                                        <p:attrNameLst>
+                                          <p:attrName>style.visibility</p:attrName>
+                                        </p:attrNameLst>
+                                      </p:cBhvr>
+                                      <p:to>
+                                        <p:strVal val="visible"/>
+                                      </p:to>
+                                    </p:set>
+                                  </p:childTnLst>
+                                </p:cTn>
+                              </p:par>
+                              <p:par>
+                                <p:cTn id="11" presetID="1" presetClass="entr" presetSubtype="0" fill="hold" nodeType="withEffect">
+                                  <p:stCondLst>
+                                    <p:cond delay="0"/>
+                                  </p:stCondLst>
+                                  <p:childTnLst>
+                                    <p:set>
+                                      <p:cBhvr>
+                                        <p:cTn id="12" dur="1" fill="hold">
+                                          <p:stCondLst>
+                                            <p:cond delay="0"/>
+                                          </p:stCondLst>
+                                        </p:cTn>
+                                        <p:tgtEl>
+                                          <p:spTgt spid="11"/>
+                                        </p:tgtEl>
+                                        <p:attrNameLst>
+                                          <p:attrName>style.visibility</p:attrName>
+                                        </p:attrNameLst>
+                                      </p:cBhvr>
+                                      <p:to>
+                                        <p:strVal val="visible"/>
+                                      </p:to>
+                                    </p:set>
+                                  </p:childTnLst>
+                                </p:cTn>
+                              </p:par>
+                            </p:childTnLst>
+                          </p:cTn>
+                        </p:par>
+                      </p:childTnLst>
+                    </p:cTn>
+                  </p:par>
+                  <p:par>
+                    <p:cTn id="13" fill="hold">
+                      <p:stCondLst>
+                        <p:cond delay="indefinite"/>
+                      </p:stCondLst>
+                      <p:childTnLst>
+                        <p:par>
+                          <p:cTn id="14" fill="hold">
+                            <p:stCondLst>
+                              <p:cond delay="0"/>
+                            </p:stCondLst>
+                            <p:childTnLst>
+                              <p:par>
+                                <p:cTn id="15" presetID="1" presetClass="entr" presetSubtype="0" fill="hold" nodeType="clickEffect">
+                                  <p:stCondLst>
+                                    <p:cond delay="0"/>
+                                  </p:stCondLst>
+                                  <p:childTnLst>
+                                    <p:set>
+                                      <p:cBhvr>
+                                        <p:cTn id="16" dur="1" fill="hold">
+                                          <p:stCondLst>
+                                            <p:cond delay="0"/>
+                                          </p:stCondLst>
+                                        </p:cTn>
+                                        <p:tgtEl>
+                                          <p:spTgt spid="5">
+                                            <p:txEl>
+                                              <p:pRg st="2" end="2"/>
+                                            </p:txEl>
+                                          </p:spTgt>
+                                        </p:tgtEl>
+                                        <p:attrNameLst>
+                                          <p:attrName>style.visibility</p:attrName>
+                                        </p:attrNameLst>
+                                      </p:cBhvr>
+                                      <p:to>
+                                        <p:strVal val="visible"/>
+                                      </p:to>
+                                    </p:set>
+                                  </p:childTnLst>
+                                </p:cTn>
+                              </p:par>
+                            </p:childTnLst>
+                          </p:cTn>
+                        </p:par>
+                      </p:childTnLst>
+                    </p:cTn>
+                  </p:par>
+                  <p:par>
+                    <p:cTn id="17" fill="hold">
+                      <p:stCondLst>
+                        <p:cond delay="indefinite"/>
+                      </p:stCondLst>
+                      <p:childTnLst>
+                        <p:par>
+                          <p:cTn id="18" fill="hold">
+                            <p:stCondLst>
+                              <p:cond delay="0"/>
+                            </p:stCondLst>
+                            <p:childTnLst>
+                              <p:par>
+                                <p:cTn id="19" presetID="1" presetClass="entr" presetSubtype="0" fill="hold" nodeType="clickEffect">
+                                  <p:stCondLst>
+                                    <p:cond delay="0"/>
+                                  </p:stCondLst>
+                                  <p:childTnLst>
+                                    <p:set>
+                                      <p:cBhvr>
+                                        <p:cTn id="20" dur="1" fill="hold">
+                                          <p:stCondLst>
+                                            <p:cond delay="0"/>
+                                          </p:stCondLst>
+                                        </p:cTn>
+                                        <p:tgtEl>
+                                          <p:spTgt spid="4">
+                                            <p:txEl>
+                                              <p:pRg st="1" end="1"/>
+                                            </p:txEl>
+                                          </p:spTgt>
+                                        </p:tgtEl>
+                                        <p:attrNameLst>
+                                          <p:attrName>style.visibility</p:attrName>
+                                        </p:attrNameLst>
+                                      </p:cBhvr>
+                                      <p:to>
+                                        <p:strVal val="visible"/>
+                                      </p:to>
+                                    </p:set>
+                                  </p:childTnLst>
+                                </p:cTn>
+                              </p:par>
+                              <p:par>
+                                <p:cTn id="21" presetID="1" presetClass="exit" presetSubtype="0" fill="hold" nodeType="withEffect">
+                                  <p:stCondLst>
+                                    <p:cond delay="0"/>
+                                  </p:stCondLst>
+                                  <p:childTnLst>
+                                    <p:set>
+                                      <p:cBhvr>
+                                        <p:cTn id="22" dur="1" fill="hold">
+                                          <p:stCondLst>
+                                            <p:cond delay="0"/>
+                                          </p:stCondLst>
+                                        </p:cTn>
+                                        <p:tgtEl>
+                                          <p:spTgt spid="13"/>
+                                        </p:tgtEl>
+                                        <p:attrNameLst>
+                                          <p:attrName>style.visibility</p:attrName>
+                                        </p:attrNameLst>
+                                      </p:cBhvr>
+                                      <p:to>
+                                        <p:strVal val="hidden"/>
+                                      </p:to>
+                                    </p:set>
+                                  </p:childTnLst>
+                                </p:cTn>
+                              </p:par>
+                              <p:par>
+                                <p:cTn id="23" presetID="1" presetClass="exit" presetSubtype="0" fill="hold" nodeType="withEffect">
+                                  <p:stCondLst>
+                                    <p:cond delay="0"/>
+                                  </p:stCondLst>
+                                  <p:childTnLst>
+                                    <p:set>
+                                      <p:cBhvr>
+                                        <p:cTn id="24" dur="1" fill="hold">
+                                          <p:stCondLst>
+                                            <p:cond delay="0"/>
+                                          </p:stCondLst>
+                                        </p:cTn>
+                                        <p:tgtEl>
+                                          <p:spTgt spid="11"/>
+                                        </p:tgtEl>
+                                        <p:attrNameLst>
+                                          <p:attrName>style.visibility</p:attrName>
+                                        </p:attrNameLst>
+                                      </p:cBhvr>
+                                      <p:to>
+                                        <p:strVal val="hidden"/>
+                                      </p:to>
+                                    </p:set>
+                                  </p:childTnLst>
+                                </p:cTn>
+                              </p:par>
+                            </p:childTnLst>
+                          </p:cTn>
+                        </p:par>
+                      </p:childTnLst>
+                    </p:cTn>
+                  </p:par>
+                  <p:par>
+                    <p:cTn id="25" fill="hold">
+                      <p:stCondLst>
+                        <p:cond delay="indefinite"/>
+                      </p:stCondLst>
+                      <p:childTnLst>
+                        <p:par>
+                          <p:cTn id="26" fill="hold">
+                            <p:stCondLst>
+                              <p:cond delay="0"/>
+                            </p:stCondLst>
+                            <p:childTnLst>
+                              <p:par>
+                                <p:cTn id="27" presetID="1" presetClass="entr" presetSubtype="0" fill="hold" nodeType="clickEffect">
+                                  <p:stCondLst>
+                                    <p:cond delay="0"/>
+                                  </p:stCondLst>
+                                  <p:childTnLst>
+                                    <p:set>
+                                      <p:cBhvr>
+                                        <p:cTn id="28" dur="1" fill="hold">
+                                          <p:stCondLst>
+                                            <p:cond delay="0"/>
+                                          </p:stCondLst>
+                                        </p:cTn>
+                                        <p:tgtEl>
+                                          <p:spTgt spid="5">
+                                            <p:txEl>
+                                              <p:pRg st="3" end="3"/>
+                                            </p:txEl>
+                                          </p:spTgt>
+                                        </p:tgtEl>
+                                        <p:attrNameLst>
+                                          <p:attrName>style.visibility</p:attrName>
+                                        </p:attrNameLst>
+                                      </p:cBhvr>
+                                      <p:to>
+                                        <p:strVal val="visible"/>
+                                      </p:to>
+                                    </p:set>
+                                  </p:childTnLst>
+                                </p:cTn>
+                              </p:par>
+                            </p:childTnLst>
+                          </p:cTn>
+                        </p:par>
+                      </p:childTnLst>
+                    </p:cTn>
+                  </p:par>
+                  <p:par>
+                    <p:cTn id="29" fill="hold">
+                      <p:stCondLst>
+                        <p:cond delay="indefinite"/>
+                      </p:stCondLst>
+                      <p:childTnLst>
+                        <p:par>
+                          <p:cTn id="30" fill="hold">
+                            <p:stCondLst>
+                              <p:cond delay="0"/>
+                            </p:stCondLst>
+                            <p:childTnLst>
+                              <p:par>
+                                <p:cTn id="31" presetID="1" presetClass="entr" presetSubtype="0" fill="hold" nodeType="clickEffect">
+                                  <p:stCondLst>
+                                    <p:cond delay="0"/>
+                                  </p:stCondLst>
+                                  <p:childTnLst>
+                                    <p:set>
+                                      <p:cBhvr>
+                                        <p:cTn id="32" dur="1" fill="hold">
+                                          <p:stCondLst>
+                                            <p:cond delay="0"/>
+                                          </p:stCondLst>
+                                        </p:cTn>
+                                        <p:tgtEl>
+                                          <p:spTgt spid="5">
+                                            <p:txEl>
+                                              <p:pRg st="4" end="4"/>
+                                            </p:txEl>
+                                          </p:spTgt>
+                                        </p:tgtEl>
+                                        <p:attrNameLst>
+                                          <p:attrName>style.visibility</p:attrName>
+                                        </p:attrNameLst>
+                                      </p:cBhvr>
+                                      <p:to>
+                                        <p:strVal val="visible"/>
+                                      </p:to>
+                                    </p:set>
+                                  </p:childTnLst>
+                                </p:cTn>
+                              </p:par>
+                              <p:par>
+                                <p:cTn id="33" presetID="1" presetClass="entr" presetSubtype="0" fill="hold" grpId="0" nodeType="withEffect">
+                                  <p:stCondLst>
+                                    <p:cond delay="0"/>
+                                  </p:stCondLst>
+                                  <p:childTnLst>
+                                    <p:set>
+                                      <p:cBhvr>
+                                        <p:cTn id="34" dur="1" fill="hold">
+                                          <p:stCondLst>
+                                            <p:cond delay="0"/>
+                                          </p:stCondLst>
+                                        </p:cTn>
+                                        <p:tgtEl>
+                                          <p:spTgt spid="12"/>
+                                        </p:tgtEl>
+                                        <p:attrNameLst>
+                                          <p:attrName>style.visibility</p:attrName>
+                                        </p:attrNameLst>
+                                      </p:cBhvr>
+                                      <p:to>
+                                        <p:strVal val="visible"/>
+                                      </p:to>
+                                    </p:set>
+                                  </p:childTnLst>
+                                </p:cTn>
+                              </p:par>
+                            </p:childTnLst>
+                          </p:cTn>
+                        </p:par>
+                      </p:childTnLst>
+                    </p:cTn>
+                  </p:par>
+                  <p:par>
+                    <p:cTn id="35" fill="hold">
+                      <p:stCondLst>
+                        <p:cond delay="indefinite"/>
+                      </p:stCondLst>
+                      <p:childTnLst>
+                        <p:par>
+                          <p:cTn id="36" fill="hold">
+                            <p:stCondLst>
+                              <p:cond delay="0"/>
+                            </p:stCondLst>
+                            <p:childTnLst>
+                              <p:par>
+                                <p:cTn id="37" presetID="1" presetClass="entr" presetSubtype="0" fill="hold" nodeType="clickEffect">
+                                  <p:stCondLst>
+                                    <p:cond delay="0"/>
+                                  </p:stCondLst>
+                                  <p:childTnLst>
+                                    <p:set>
+                                      <p:cBhvr>
+                                        <p:cTn id="38" dur="1" fill="hold">
+                                          <p:stCondLst>
+                                            <p:cond delay="0"/>
+                                          </p:stCondLst>
+                                        </p:cTn>
+                                        <p:tgtEl>
+                                          <p:spTgt spid="5">
+                                            <p:txEl>
+                                              <p:pRg st="5" end="5"/>
+                                            </p:txEl>
+                                          </p:spTgt>
+                                        </p:tgtEl>
+                                        <p:attrNameLst>
+                                          <p:attrName>style.visibility</p:attrName>
+                                        </p:attrNameLst>
+                                      </p:cBhvr>
+                                      <p:to>
+                                        <p:strVal val="visible"/>
+                                      </p:to>
+                                    </p:set>
+                                  </p:childTnLst>
+                                </p:cTn>
+                              </p:par>
+                              <p:par>
+                                <p:cTn id="39" presetID="1" presetClass="entr" presetSubtype="0" fill="hold" grpId="0" nodeType="withEffect">
+                                  <p:stCondLst>
+                                    <p:cond delay="0"/>
+                                  </p:stCondLst>
+                                  <p:childTnLst>
+                                    <p:set>
+                                      <p:cBhvr>
+                                        <p:cTn id="40" dur="1" fill="hold">
+                                          <p:stCondLst>
+                                            <p:cond delay="0"/>
+                                          </p:stCondLst>
+                                        </p:cTn>
+                                        <p:tgtEl>
+                                          <p:spTgt spid="15"/>
+                                        </p:tgtEl>
+                                        <p:attrNameLst>
+                                          <p:attrName>style.visibility</p:attrName>
+                                        </p:attrNameLst>
+                                      </p:cBhvr>
+                                      <p:to>
+                                        <p:strVal val="visible"/>
+                                      </p:to>
+                                    </p:set>
+                                  </p:childTnLst>
+                                </p:cTn>
+                              </p:par>
+                            </p:childTnLst>
+                          </p:cTn>
+                        </p:par>
+                      </p:childTnLst>
+                    </p:cTn>
+                  </p:par>
+                </p:childTnLst>
+              </p:cTn>
+              <p:prevCondLst>
+                <p:cond evt="onPrev" delay="0">
+                  <p:tgtEl>
+                    <p:sldTgt/>
+                  </p:tgtEl>
+                </p:cond>
+              </p:prevCondLst>
+              <p:nextCondLst>
+                <p:cond evt="onNext" delay="0">
+                  <p:tgtEl>
+                    <p:sldTgt/>
+                  </p:tgtEl>
+                </p:cond>
+              </p:nextCondLst>
+            </p:seq>
+          </p:childTnLst>
+        </p:cTn>
+      </p:par>
+    </p:tnLst>
+    <p:bldLst>
+      <p:bldP spid="6" grpId="0" build="p"/>
+      <p:bldP spid="12" grpId="0"/>
+      <p:bldP spid="15" grpId="0"/>
+    </p:bldLst>
+  </p:timing>
 </p:sld>
 </file>
 
@@ -33195,6 +34402,15 @@
 </file>
 
 <file path=customXml/item1.xml><?xml version="1.0" encoding="utf-8"?>
+<?mso-contentType ?>
+<FormTemplates xmlns="http://schemas.microsoft.com/sharepoint/v3/contenttype/forms">
+  <Display>DocumentLibraryForm</Display>
+  <Edit>DocumentLibraryForm</Edit>
+  <New>DocumentLibraryForm</New>
+</FormTemplates>
+</file>
+
+<file path=customXml/item2.xml><?xml version="1.0" encoding="utf-8"?>
 <p:properties xmlns:p="http://schemas.microsoft.com/office/2006/metadata/properties" xmlns:xsi="http://www.w3.org/2001/XMLSchema-instance" xmlns:pc="http://schemas.microsoft.com/office/infopath/2007/PartnerControls">
   <documentManagement>
     <_ip_UnifiedCompliancePolicyUIAction xmlns="http://schemas.microsoft.com/sharepoint/v3" xsi:nil="true"/>
@@ -33211,15 +34427,6 @@
     <MediaServiceKeyPoints xmlns="71af3243-3dd4-4a8d-8c0d-dd76da1f02a5" xsi:nil="true"/>
   </documentManagement>
 </p:properties>
-</file>
-
-<file path=customXml/item2.xml><?xml version="1.0" encoding="utf-8"?>
-<?mso-contentType ?>
-<FormTemplates xmlns="http://schemas.microsoft.com/sharepoint/v3/contenttype/forms">
-  <Display>DocumentLibraryForm</Display>
-  <Edit>DocumentLibraryForm</Edit>
-  <New>DocumentLibraryForm</New>
-</FormTemplates>
 </file>
 
 <file path=customXml/item3.xml><?xml version="1.0" encoding="utf-8"?>
@@ -33505,6 +34712,14 @@
 </file>
 
 <file path=customXml/itemProps1.xml><?xml version="1.0" encoding="utf-8"?>
+<ds:datastoreItem xmlns:ds="http://schemas.openxmlformats.org/officeDocument/2006/customXml" ds:itemID="{85334180-0405-413B-834A-44FA9E05ADB7}">
+  <ds:schemaRefs>
+    <ds:schemaRef ds:uri="http://schemas.microsoft.com/sharepoint/v3/contenttype/forms"/>
+  </ds:schemaRefs>
+</ds:datastoreItem>
+</file>
+
+<file path=customXml/itemProps2.xml><?xml version="1.0" encoding="utf-8"?>
 <ds:datastoreItem xmlns:ds="http://schemas.openxmlformats.org/officeDocument/2006/customXml" ds:itemID="{4D5BAB77-79E1-4739-AA51-10C9079186D6}">
   <ds:schemaRefs>
     <ds:schemaRef ds:uri="http://schemas.microsoft.com/office/2006/metadata/properties"/>
@@ -33512,14 +34727,6 @@
     <ds:schemaRef ds:uri="http://schemas.microsoft.com/sharepoint/v3"/>
     <ds:schemaRef ds:uri="71af3243-3dd4-4a8d-8c0d-dd76da1f02a5"/>
     <ds:schemaRef ds:uri="230e9df3-be65-4c73-a93b-d1236ebd677e"/>
-  </ds:schemaRefs>
-</ds:datastoreItem>
-</file>
-
-<file path=customXml/itemProps2.xml><?xml version="1.0" encoding="utf-8"?>
-<ds:datastoreItem xmlns:ds="http://schemas.openxmlformats.org/officeDocument/2006/customXml" ds:itemID="{85334180-0405-413B-834A-44FA9E05ADB7}">
-  <ds:schemaRefs>
-    <ds:schemaRef ds:uri="http://schemas.microsoft.com/sharepoint/v3/contenttype/forms"/>
   </ds:schemaRefs>
 </ds:datastoreItem>
 </file>

--- a/Project 3 ppt.pptx
+++ b/Project 3 ppt.pptx
@@ -5036,6 +5036,10 @@
           <a:r>
             <a:rPr lang="en-US" sz="1400" b="0" i="0" dirty="0" err="1"/>
             <a:t>Plotly</a:t>
+          </a:r>
+          <a:r>
+            <a:rPr lang="en-US" sz="1400" b="0" i="0" dirty="0"/>
+            <a:t>, jQuery</a:t>
           </a:r>
           <a:r>
             <a:rPr lang="en-US" sz="1400" b="0" i="0" u="none" dirty="0"/>
@@ -8390,6 +8394,10 @@
           <a:r>
             <a:rPr lang="en-US" sz="1400" b="0" i="0" kern="1200" dirty="0" err="1"/>
             <a:t>Plotly</a:t>
+          </a:r>
+          <a:r>
+            <a:rPr lang="en-US" sz="1400" b="0" i="0" kern="1200" dirty="0"/>
+            <a:t>, jQuery</a:t>
           </a:r>
           <a:r>
             <a:rPr lang="en-US" sz="1400" b="0" i="0" u="none" kern="1200" dirty="0"/>
@@ -31795,7 +31803,7 @@
           <p:nvPr>
             <p:extLst>
               <p:ext uri="{D42A27DB-BD31-4B8C-83A1-F6EECF244321}">
-                <p14:modId xmlns:p14="http://schemas.microsoft.com/office/powerpoint/2010/main" val="182616602"/>
+                <p14:modId xmlns:p14="http://schemas.microsoft.com/office/powerpoint/2010/main" val="3863658195"/>
               </p:ext>
             </p:extLst>
           </p:nvPr>
@@ -34402,15 +34410,6 @@
 </file>
 
 <file path=customXml/item1.xml><?xml version="1.0" encoding="utf-8"?>
-<?mso-contentType ?>
-<FormTemplates xmlns="http://schemas.microsoft.com/sharepoint/v3/contenttype/forms">
-  <Display>DocumentLibraryForm</Display>
-  <Edit>DocumentLibraryForm</Edit>
-  <New>DocumentLibraryForm</New>
-</FormTemplates>
-</file>
-
-<file path=customXml/item2.xml><?xml version="1.0" encoding="utf-8"?>
 <p:properties xmlns:p="http://schemas.microsoft.com/office/2006/metadata/properties" xmlns:xsi="http://www.w3.org/2001/XMLSchema-instance" xmlns:pc="http://schemas.microsoft.com/office/infopath/2007/PartnerControls">
   <documentManagement>
     <_ip_UnifiedCompliancePolicyUIAction xmlns="http://schemas.microsoft.com/sharepoint/v3" xsi:nil="true"/>
@@ -34427,6 +34426,15 @@
     <MediaServiceKeyPoints xmlns="71af3243-3dd4-4a8d-8c0d-dd76da1f02a5" xsi:nil="true"/>
   </documentManagement>
 </p:properties>
+</file>
+
+<file path=customXml/item2.xml><?xml version="1.0" encoding="utf-8"?>
+<?mso-contentType ?>
+<FormTemplates xmlns="http://schemas.microsoft.com/sharepoint/v3/contenttype/forms">
+  <Display>DocumentLibraryForm</Display>
+  <Edit>DocumentLibraryForm</Edit>
+  <New>DocumentLibraryForm</New>
+</FormTemplates>
 </file>
 
 <file path=customXml/item3.xml><?xml version="1.0" encoding="utf-8"?>
@@ -34712,14 +34720,6 @@
 </file>
 
 <file path=customXml/itemProps1.xml><?xml version="1.0" encoding="utf-8"?>
-<ds:datastoreItem xmlns:ds="http://schemas.openxmlformats.org/officeDocument/2006/customXml" ds:itemID="{85334180-0405-413B-834A-44FA9E05ADB7}">
-  <ds:schemaRefs>
-    <ds:schemaRef ds:uri="http://schemas.microsoft.com/sharepoint/v3/contenttype/forms"/>
-  </ds:schemaRefs>
-</ds:datastoreItem>
-</file>
-
-<file path=customXml/itemProps2.xml><?xml version="1.0" encoding="utf-8"?>
 <ds:datastoreItem xmlns:ds="http://schemas.openxmlformats.org/officeDocument/2006/customXml" ds:itemID="{4D5BAB77-79E1-4739-AA51-10C9079186D6}">
   <ds:schemaRefs>
     <ds:schemaRef ds:uri="http://schemas.microsoft.com/office/2006/metadata/properties"/>
@@ -34727,6 +34727,14 @@
     <ds:schemaRef ds:uri="http://schemas.microsoft.com/sharepoint/v3"/>
     <ds:schemaRef ds:uri="71af3243-3dd4-4a8d-8c0d-dd76da1f02a5"/>
     <ds:schemaRef ds:uri="230e9df3-be65-4c73-a93b-d1236ebd677e"/>
+  </ds:schemaRefs>
+</ds:datastoreItem>
+</file>
+
+<file path=customXml/itemProps2.xml><?xml version="1.0" encoding="utf-8"?>
+<ds:datastoreItem xmlns:ds="http://schemas.openxmlformats.org/officeDocument/2006/customXml" ds:itemID="{85334180-0405-413B-834A-44FA9E05ADB7}">
+  <ds:schemaRefs>
+    <ds:schemaRef ds:uri="http://schemas.microsoft.com/sharepoint/v3/contenttype/forms"/>
   </ds:schemaRefs>
 </ds:datastoreItem>
 </file>
